--- a/public/user/output/U201812791-刘棫欣-1.《喜马拉雅FM免费增值策略对用户留存的影响的实证研究》/output_2_1.pptx
+++ b/public/user/output/U201812791-刘棫欣-1.《喜马拉雅FM免费增值策略对用户留存的影响的实证研究》/output_2_1.pptx
@@ -3619,7 +3619,7 @@
               </a:defRPr>
             </a:pPr>
             <a:r>
-              <a:t>1. 在线音频</a:t>
+              <a:t>1. 在线音频需求大</a:t>
             </a:r>
           </a:p>
         </p:txBody>
@@ -3655,7 +3655,7 @@
               </a:defRPr>
             </a:pPr>
             <a:r>
-              <a:t>- 需求巨大，2021年中国移动音频用户规模自2019年快速发展，预计明年达6.9亿。</a:t>
+              <a:t>- 2021年数据显示中国移动音频用户规模自2019年起快速发展，预计明年达6.9亿。</a:t>
             </a:r>
           </a:p>
         </p:txBody>
@@ -3683,7 +3683,7 @@
           <a:lstStyle/>
           <a:p>
             <a:pPr>
-              <a:defRPr b="0" sz="2000">
+              <a:defRPr b="1" sz="2200">
                 <a:solidFill>
                   <a:srgbClr val="000000"/>
                 </a:solidFill>
@@ -3691,7 +3691,7 @@
               </a:defRPr>
             </a:pPr>
             <a:r>
-              <a:t>- 伴随科技发展至少有10年历史，用户基础海量，社交音频受关注，规模持续增长。</a:t>
+              <a:t>2. 在线音频发展历程</a:t>
             </a:r>
           </a:p>
         </p:txBody>
@@ -3719,42 +3719,6 @@
           <a:lstStyle/>
           <a:p>
             <a:pPr>
-              <a:defRPr b="1" sz="2200">
-                <a:solidFill>
-                  <a:srgbClr val="000000"/>
-                </a:solidFill>
-                <a:latin typeface="微软雅黑"/>
-              </a:defRPr>
-            </a:pPr>
-            <a:r>
-              <a:t>2. 存在问题</a:t>
-            </a:r>
-          </a:p>
-        </p:txBody>
-      </p:sp>
-      <p:sp>
-        <p:nvSpPr>
-          <p:cNvPr id="9" name="TextBox 8"/>
-          <p:cNvSpPr txBox="1"/>
-          <p:nvPr/>
-        </p:nvSpPr>
-        <p:spPr>
-          <a:xfrm>
-            <a:off x="1371600" y="6126480"/>
-            <a:ext cx="9144000" cy="1371600"/>
-          </a:xfrm>
-          <a:prstGeom prst="rect">
-            <a:avLst/>
-          </a:prstGeom>
-          <a:noFill/>
-        </p:spPr>
-        <p:txBody>
-          <a:bodyPr wrap="square">
-            <a:spAutoFit/>
-          </a:bodyPr>
-          <a:lstStyle/>
-          <a:p>
-            <a:pPr>
               <a:defRPr b="0" sz="2000">
                 <a:solidFill>
                   <a:srgbClr val="000000"/>
@@ -3763,7 +3727,7 @@
               </a:defRPr>
             </a:pPr>
             <a:r>
-              <a:t>- 未立足用户需求，有大量问题，知识变现问题突出。</a:t>
+              <a:t>- 伴随科技发展，在国内至少有10年历史。</a:t>
             </a:r>
           </a:p>
         </p:txBody>
